--- a/ebook.pptx
+++ b/ebook.pptx
@@ -9,7 +9,8 @@
     <p:sldId id="258" r:id="rId3"/>
     <p:sldId id="259" r:id="rId4"/>
     <p:sldId id="260" r:id="rId5"/>
-    <p:sldId id="261" r:id="rId6"/>
+    <p:sldId id="262" r:id="rId6"/>
+    <p:sldId id="261" r:id="rId7"/>
   </p:sldIdLst>
   <p:sldSz cx="12192000" cy="6858000"/>
   <p:notesSz cx="6858000" cy="9144000"/>
@@ -108,6 +109,11 @@
       </a:defRPr>
     </a:lvl9pPr>
   </p:defaultTextStyle>
+  <p:extLst>
+    <p:ext uri="{EFAFB233-063F-42B5-8137-9DF3F51BA10A}">
+      <p15:sldGuideLst xmlns:p15="http://schemas.microsoft.com/office/powerpoint/2012/main"/>
+    </p:ext>
+  </p:extLst>
 </p:presentation>
 </file>
 
@@ -297,7 +303,7 @@
           <a:p>
             <a:fld id="{4B17FC70-66A1-4FE1-ADBF-3379F779F003}" type="datetimeFigureOut">
               <a:rPr lang="ru-RU" smtClean="0"/>
-              <a:t>19.11.2023</a:t>
+              <a:t>21.11.2023</a:t>
             </a:fld>
             <a:endParaRPr lang="ru-RU"/>
           </a:p>
@@ -572,7 +578,7 @@
           <a:p>
             <a:fld id="{4B17FC70-66A1-4FE1-ADBF-3379F779F003}" type="datetimeFigureOut">
               <a:rPr lang="ru-RU" smtClean="0"/>
-              <a:t>19.11.2023</a:t>
+              <a:t>21.11.2023</a:t>
             </a:fld>
             <a:endParaRPr lang="ru-RU"/>
           </a:p>
@@ -766,7 +772,7 @@
           <a:p>
             <a:fld id="{4B17FC70-66A1-4FE1-ADBF-3379F779F003}" type="datetimeFigureOut">
               <a:rPr lang="ru-RU" smtClean="0"/>
-              <a:t>19.11.2023</a:t>
+              <a:t>21.11.2023</a:t>
             </a:fld>
             <a:endParaRPr lang="ru-RU"/>
           </a:p>
@@ -1039,7 +1045,7 @@
           <a:p>
             <a:fld id="{4B17FC70-66A1-4FE1-ADBF-3379F779F003}" type="datetimeFigureOut">
               <a:rPr lang="ru-RU" smtClean="0"/>
-              <a:t>19.11.2023</a:t>
+              <a:t>21.11.2023</a:t>
             </a:fld>
             <a:endParaRPr lang="ru-RU"/>
           </a:p>
@@ -1380,7 +1386,7 @@
           <a:p>
             <a:fld id="{4B17FC70-66A1-4FE1-ADBF-3379F779F003}" type="datetimeFigureOut">
               <a:rPr lang="ru-RU" smtClean="0"/>
-              <a:t>19.11.2023</a:t>
+              <a:t>21.11.2023</a:t>
             </a:fld>
             <a:endParaRPr lang="ru-RU"/>
           </a:p>
@@ -2003,7 +2009,7 @@
           <a:p>
             <a:fld id="{4B17FC70-66A1-4FE1-ADBF-3379F779F003}" type="datetimeFigureOut">
               <a:rPr lang="ru-RU" smtClean="0"/>
-              <a:t>19.11.2023</a:t>
+              <a:t>21.11.2023</a:t>
             </a:fld>
             <a:endParaRPr lang="ru-RU"/>
           </a:p>
@@ -2863,7 +2869,7 @@
           <a:p>
             <a:fld id="{4B17FC70-66A1-4FE1-ADBF-3379F779F003}" type="datetimeFigureOut">
               <a:rPr lang="ru-RU" smtClean="0"/>
-              <a:t>19.11.2023</a:t>
+              <a:t>21.11.2023</a:t>
             </a:fld>
             <a:endParaRPr lang="ru-RU"/>
           </a:p>
@@ -3033,7 +3039,7 @@
           <a:p>
             <a:fld id="{4B17FC70-66A1-4FE1-ADBF-3379F779F003}" type="datetimeFigureOut">
               <a:rPr lang="ru-RU" smtClean="0"/>
-              <a:t>19.11.2023</a:t>
+              <a:t>21.11.2023</a:t>
             </a:fld>
             <a:endParaRPr lang="ru-RU"/>
           </a:p>
@@ -3213,7 +3219,7 @@
           <a:p>
             <a:fld id="{4B17FC70-66A1-4FE1-ADBF-3379F779F003}" type="datetimeFigureOut">
               <a:rPr lang="ru-RU" smtClean="0"/>
-              <a:t>19.11.2023</a:t>
+              <a:t>21.11.2023</a:t>
             </a:fld>
             <a:endParaRPr lang="ru-RU"/>
           </a:p>
@@ -3383,7 +3389,7 @@
           <a:p>
             <a:fld id="{4B17FC70-66A1-4FE1-ADBF-3379F779F003}" type="datetimeFigureOut">
               <a:rPr lang="ru-RU" smtClean="0"/>
-              <a:t>19.11.2023</a:t>
+              <a:t>21.11.2023</a:t>
             </a:fld>
             <a:endParaRPr lang="ru-RU"/>
           </a:p>
@@ -3630,7 +3636,7 @@
           <a:p>
             <a:fld id="{4B17FC70-66A1-4FE1-ADBF-3379F779F003}" type="datetimeFigureOut">
               <a:rPr lang="ru-RU" smtClean="0"/>
-              <a:t>19.11.2023</a:t>
+              <a:t>21.11.2023</a:t>
             </a:fld>
             <a:endParaRPr lang="ru-RU"/>
           </a:p>
@@ -3922,7 +3928,7 @@
           <a:p>
             <a:fld id="{4B17FC70-66A1-4FE1-ADBF-3379F779F003}" type="datetimeFigureOut">
               <a:rPr lang="ru-RU" smtClean="0"/>
-              <a:t>19.11.2023</a:t>
+              <a:t>21.11.2023</a:t>
             </a:fld>
             <a:endParaRPr lang="ru-RU"/>
           </a:p>
@@ -4366,7 +4372,7 @@
           <a:p>
             <a:fld id="{4B17FC70-66A1-4FE1-ADBF-3379F779F003}" type="datetimeFigureOut">
               <a:rPr lang="ru-RU" smtClean="0"/>
-              <a:t>19.11.2023</a:t>
+              <a:t>21.11.2023</a:t>
             </a:fld>
             <a:endParaRPr lang="ru-RU"/>
           </a:p>
@@ -4484,7 +4490,7 @@
           <a:p>
             <a:fld id="{4B17FC70-66A1-4FE1-ADBF-3379F779F003}" type="datetimeFigureOut">
               <a:rPr lang="ru-RU" smtClean="0"/>
-              <a:t>19.11.2023</a:t>
+              <a:t>21.11.2023</a:t>
             </a:fld>
             <a:endParaRPr lang="ru-RU"/>
           </a:p>
@@ -4579,7 +4585,7 @@
           <a:p>
             <a:fld id="{4B17FC70-66A1-4FE1-ADBF-3379F779F003}" type="datetimeFigureOut">
               <a:rPr lang="ru-RU" smtClean="0"/>
-              <a:t>19.11.2023</a:t>
+              <a:t>21.11.2023</a:t>
             </a:fld>
             <a:endParaRPr lang="ru-RU"/>
           </a:p>
@@ -4858,7 +4864,7 @@
           <a:p>
             <a:fld id="{4B17FC70-66A1-4FE1-ADBF-3379F779F003}" type="datetimeFigureOut">
               <a:rPr lang="ru-RU" smtClean="0"/>
-              <a:t>19.11.2023</a:t>
+              <a:t>21.11.2023</a:t>
             </a:fld>
             <a:endParaRPr lang="ru-RU"/>
           </a:p>
@@ -5133,7 +5139,7 @@
           <a:p>
             <a:fld id="{4B17FC70-66A1-4FE1-ADBF-3379F779F003}" type="datetimeFigureOut">
               <a:rPr lang="ru-RU" smtClean="0"/>
-              <a:t>19.11.2023</a:t>
+              <a:t>21.11.2023</a:t>
             </a:fld>
             <a:endParaRPr lang="ru-RU"/>
           </a:p>
@@ -5562,7 +5568,7 @@
           <a:p>
             <a:fld id="{4B17FC70-66A1-4FE1-ADBF-3379F779F003}" type="datetimeFigureOut">
               <a:rPr lang="ru-RU" smtClean="0"/>
-              <a:t>19.11.2023</a:t>
+              <a:t>21.11.2023</a:t>
             </a:fld>
             <a:endParaRPr lang="ru-RU"/>
           </a:p>
@@ -6602,6 +6608,100 @@
             <p:ph type="title"/>
           </p:nvPr>
         </p:nvSpPr>
+        <p:spPr/>
+        <p:txBody>
+          <a:bodyPr/>
+          <a:lstStyle/>
+          <a:p>
+            <a:r>
+              <a:rPr lang="ru-RU" dirty="0" smtClean="0"/>
+              <a:t>Как можно доработать приложение?</a:t>
+            </a:r>
+            <a:endParaRPr lang="ru-RU" dirty="0"/>
+          </a:p>
+        </p:txBody>
+      </p:sp>
+      <p:sp>
+        <p:nvSpPr>
+          <p:cNvPr id="3" name="Объект 2"/>
+          <p:cNvSpPr>
+            <a:spLocks noGrp="1"/>
+          </p:cNvSpPr>
+          <p:nvPr>
+            <p:ph idx="1"/>
+          </p:nvPr>
+        </p:nvSpPr>
+        <p:spPr/>
+        <p:txBody>
+          <a:bodyPr/>
+          <a:lstStyle/>
+          <a:p>
+            <a:r>
+              <a:rPr lang="ru-RU" dirty="0" smtClean="0"/>
+              <a:t>Можно добавить больше возможностей (чтение файлов в разных расширениях)</a:t>
+            </a:r>
+          </a:p>
+          <a:p>
+            <a:r>
+              <a:rPr lang="ru-RU" dirty="0" smtClean="0"/>
+              <a:t>Доработать имеющийся функционал</a:t>
+            </a:r>
+          </a:p>
+          <a:p>
+            <a:r>
+              <a:rPr lang="ru-RU" dirty="0" smtClean="0"/>
+              <a:t>Лучше проработать дизайн и библиотеку</a:t>
+            </a:r>
+          </a:p>
+          <a:p>
+            <a:r>
+              <a:rPr lang="ru-RU" dirty="0" smtClean="0"/>
+              <a:t>Добавить возможность чтения книг с сайта</a:t>
+            </a:r>
+            <a:endParaRPr lang="ru-RU" dirty="0"/>
+          </a:p>
+        </p:txBody>
+      </p:sp>
+    </p:spTree>
+    <p:extLst>
+      <p:ext uri="{BB962C8B-B14F-4D97-AF65-F5344CB8AC3E}">
+        <p14:creationId xmlns:p14="http://schemas.microsoft.com/office/powerpoint/2010/main" val="2155489586"/>
+      </p:ext>
+    </p:extLst>
+  </p:cSld>
+  <p:clrMapOvr>
+    <a:masterClrMapping/>
+  </p:clrMapOvr>
+</p:sld>
+</file>
+
+<file path=ppt/slides/slide6.xml><?xml version="1.0" encoding="utf-8"?>
+<p:sld xmlns:a="http://schemas.openxmlformats.org/drawingml/2006/main" xmlns:r="http://schemas.openxmlformats.org/officeDocument/2006/relationships" xmlns:p="http://schemas.openxmlformats.org/presentationml/2006/main">
+  <p:cSld>
+    <p:spTree>
+      <p:nvGrpSpPr>
+        <p:cNvPr id="1" name=""/>
+        <p:cNvGrpSpPr/>
+        <p:nvPr/>
+      </p:nvGrpSpPr>
+      <p:grpSpPr>
+        <a:xfrm>
+          <a:off x="0" y="0"/>
+          <a:ext cx="0" cy="0"/>
+          <a:chOff x="0" y="0"/>
+          <a:chExt cx="0" cy="0"/>
+        </a:xfrm>
+      </p:grpSpPr>
+      <p:sp>
+        <p:nvSpPr>
+          <p:cNvPr id="2" name="Заголовок 1"/>
+          <p:cNvSpPr>
+            <a:spLocks noGrp="1"/>
+          </p:cNvSpPr>
+          <p:nvPr>
+            <p:ph type="title"/>
+          </p:nvPr>
+        </p:nvSpPr>
         <p:spPr>
           <a:xfrm>
             <a:off x="2100838" y="2547525"/>
